--- a/test.pptx
+++ b/test.pptx
@@ -10,12 +10,6 @@
     <p:notesMasterId r:id="rId10"/>
   </p:notesMasterIdLst>
   <p:sldIdLst>
-    <p:sldId id="3138" r:id="rId4"/>
-    <p:sldId id="523" r:id="rId5"/>
-    <p:sldId id="979" r:id="rId6"/>
-    <p:sldId id="3205" r:id="rId7"/>
-    <p:sldId id="3275" r:id="rId8"/>
-    <p:sldId id="3277" r:id="rId9"/>
     <p:sldId id="3278" r:id="rId17"/>
     <p:sldId id="3279" r:id="rId18"/>
     <p:sldId id="3280" r:id="rId19"/>
@@ -17731,8 +17725,18 @@
           <a:lstStyle/>
           <a:p>
             <a:r>
+              <a:rPr lang="zh-TW" altLang="zh-TW" dirty="0"/>
               <a:t>以弗所書一章17-19節</a:t>
             </a:r>
+            <a:r>
+              <a:rPr lang="en-US" altLang="zh-TW" dirty="0"/>
+              <a:t>10</a:t>
+            </a:r>
+            <a:r>
+              <a:rPr lang="zh-TW" altLang="zh-TW" dirty="0"/>
+              <a:t>節</a:t>
+            </a:r>
+            <a:endParaRPr lang="zh-TW" altLang="en-US" dirty="0"/>
           </a:p>
         </p:txBody>
       </p:sp>
@@ -18693,8 +18697,18 @@
           <a:lstStyle/>
           <a:p>
             <a:r>
+              <a:rPr lang="zh-TW" altLang="zh-TW" dirty="0"/>
               <a:t>以弗所書二章10節</a:t>
             </a:r>
+            <a:r>
+              <a:rPr lang="en-US" altLang="zh-TW" dirty="0"/>
+              <a:t>10</a:t>
+            </a:r>
+            <a:r>
+              <a:rPr lang="zh-TW" altLang="zh-TW" dirty="0"/>
+              <a:t>節</a:t>
+            </a:r>
+            <a:endParaRPr lang="zh-TW" altLang="en-US" dirty="0"/>
           </a:p>
         </p:txBody>
       </p:sp>
@@ -18772,8 +18786,18 @@
           <a:lstStyle/>
           <a:p>
             <a:r>
+              <a:rPr lang="zh-TW" altLang="zh-TW" dirty="0"/>
               <a:t>以弗所書一章17-19節</a:t>
             </a:r>
+            <a:r>
+              <a:rPr lang="en-US" altLang="zh-TW" dirty="0"/>
+              <a:t>10</a:t>
+            </a:r>
+            <a:r>
+              <a:rPr lang="zh-TW" altLang="zh-TW" dirty="0"/>
+              <a:t>節</a:t>
+            </a:r>
+            <a:endParaRPr lang="zh-TW" altLang="en-US" dirty="0"/>
           </a:p>
         </p:txBody>
       </p:sp>
@@ -18851,8 +18875,18 @@
           <a:lstStyle/>
           <a:p>
             <a:r>
+              <a:rPr lang="zh-TW" altLang="zh-TW" dirty="0"/>
               <a:t>以弗所書一章17-19節</a:t>
             </a:r>
+            <a:r>
+              <a:rPr lang="en-US" altLang="zh-TW" dirty="0"/>
+              <a:t>10</a:t>
+            </a:r>
+            <a:r>
+              <a:rPr lang="zh-TW" altLang="zh-TW" dirty="0"/>
+              <a:t>節</a:t>
+            </a:r>
+            <a:endParaRPr lang="zh-TW" altLang="en-US" dirty="0"/>
           </a:p>
         </p:txBody>
       </p:sp>

--- a/test.pptx
+++ b/test.pptx
@@ -17730,11 +17730,11 @@
             </a:r>
             <a:r>
               <a:rPr lang="en-US" altLang="zh-TW" dirty="0"/>
-              <a:t>10</a:t>
+              <a:t/>
             </a:r>
             <a:r>
               <a:rPr lang="zh-TW" altLang="zh-TW" dirty="0"/>
-              <a:t>節</a:t>
+              <a:t/>
             </a:r>
             <a:endParaRPr lang="zh-TW" altLang="en-US" dirty="0"/>
           </a:p>
@@ -18702,11 +18702,11 @@
             </a:r>
             <a:r>
               <a:rPr lang="en-US" altLang="zh-TW" dirty="0"/>
-              <a:t>10</a:t>
+              <a:t/>
             </a:r>
             <a:r>
               <a:rPr lang="zh-TW" altLang="zh-TW" dirty="0"/>
-              <a:t>節</a:t>
+              <a:t/>
             </a:r>
             <a:endParaRPr lang="zh-TW" altLang="en-US" dirty="0"/>
           </a:p>
@@ -18791,11 +18791,11 @@
             </a:r>
             <a:r>
               <a:rPr lang="en-US" altLang="zh-TW" dirty="0"/>
-              <a:t>10</a:t>
+              <a:t/>
             </a:r>
             <a:r>
               <a:rPr lang="zh-TW" altLang="zh-TW" dirty="0"/>
-              <a:t>節</a:t>
+              <a:t/>
             </a:r>
             <a:endParaRPr lang="zh-TW" altLang="en-US" dirty="0"/>
           </a:p>
@@ -18880,11 +18880,11 @@
             </a:r>
             <a:r>
               <a:rPr lang="en-US" altLang="zh-TW" dirty="0"/>
-              <a:t>10</a:t>
+              <a:t/>
             </a:r>
             <a:r>
               <a:rPr lang="zh-TW" altLang="zh-TW" dirty="0"/>
-              <a:t>節</a:t>
+              <a:t/>
             </a:r>
             <a:endParaRPr lang="zh-TW" altLang="en-US" dirty="0"/>
           </a:p>

--- a/test.pptx
+++ b/test.pptx
@@ -14,6 +14,13 @@
     <p:sldId id="3279" r:id="rId18"/>
     <p:sldId id="3280" r:id="rId19"/>
     <p:sldId id="3281" r:id="rId20"/>
+    <p:sldId id="3282" r:id="rId21"/>
+    <p:sldId id="3283" r:id="rId22"/>
+    <p:sldId id="3284" r:id="rId23"/>
+    <p:sldId id="3285" r:id="rId24"/>
+    <p:sldId id="3286" r:id="rId25"/>
+    <p:sldId id="3287" r:id="rId26"/>
+    <p:sldId id="3288" r:id="rId27"/>
   </p:sldIdLst>
   <p:sldSz cx="12192000" cy="6858000"/>
   <p:notesSz cx="6858000" cy="9144000"/>
@@ -17726,7 +17733,7 @@
           <a:p>
             <a:r>
               <a:rPr lang="zh-TW" altLang="zh-TW" dirty="0"/>
-              <a:t>以弗所書一章17-19節</a:t>
+              <a:t>士師記十六章</a:t>
             </a:r>
             <a:r>
               <a:rPr lang="en-US" altLang="zh-TW" dirty="0"/>
@@ -17768,9 +17775,897 @@
             </a:r>
             <a:r>
               <a:rPr lang="zh-TW" altLang="zh-TW" dirty="0"/>
-              <a:t>並知道祂向我們這信的人所顯的能力是何等浩大</a:t>
+              <a:t>大利拉使參孫枕著她的膝睡覺，叫了一個人來剃除他頭上的七條髮綹。於是大利拉剋制他，他的力氣就離開他了。</a:t>
             </a:r>
             <a:endParaRPr lang="zh-TW" altLang="en-US" sz="6600" dirty="0"/>
+          </a:p>
+        </p:txBody>
+      </p:sp>
+    </p:spTree>
+  </p:cSld>
+  <p:clrMapOvr>
+    <a:masterClrMapping/>
+  </p:clrMapOvr>
+</p:sld>
+</file>
+
+<file path=ppt/slides/slide11.xml><?xml version="1.0" encoding="utf-8"?>
+<p:sld xmlns:a="http://schemas.openxmlformats.org/drawingml/2006/main" xmlns:p="http://schemas.openxmlformats.org/presentationml/2006/main" xmlns:r="http://schemas.openxmlformats.org/officeDocument/2006/relationships">
+  <p:cSld>
+    <p:spTree>
+      <p:nvGrpSpPr>
+        <p:cNvPr id="1" name=""/>
+        <p:cNvGrpSpPr/>
+        <p:nvPr/>
+      </p:nvGrpSpPr>
+      <p:grpSpPr/>
+      <p:sp>
+        <p:nvSpPr>
+          <p:cNvPr id="2" name="標題 1">
+            <a:extLst>
+              <a:ext uri="{FF2B5EF4-FFF2-40B4-BE49-F238E27FC236}">
+                <a16:creationId xmlns:a16="http://schemas.microsoft.com/office/drawing/2014/main" id="{30048CD0-F832-6351-1E07-07EC2D13A243}"/>
+              </a:ext>
+            </a:extLst>
+          </p:cNvPr>
+          <p:cNvSpPr>
+            <a:spLocks noGrp="1"/>
+          </p:cNvSpPr>
+          <p:nvPr>
+            <p:ph type="title"/>
+          </p:nvPr>
+        </p:nvSpPr>
+        <p:spPr/>
+        <p:txBody>
+          <a:bodyPr/>
+          <a:lstStyle/>
+          <a:p>
+            <a:r>
+              <a:rPr lang="zh-TW" altLang="zh-TW" dirty="0"/>
+              <a:t>士師記十六章</a:t>
+            </a:r>
+            <a:r>
+              <a:rPr lang="en-US" altLang="zh-TW" dirty="0"/>
+              <a:t/>
+            </a:r>
+            <a:r>
+              <a:rPr lang="zh-TW" altLang="zh-TW" dirty="0"/>
+              <a:t/>
+            </a:r>
+            <a:endParaRPr lang="zh-TW" altLang="en-US" dirty="0"/>
+          </a:p>
+        </p:txBody>
+      </p:sp>
+      <p:sp>
+        <p:nvSpPr>
+          <p:cNvPr id="3" name="內容版面配置區 2">
+            <a:extLst>
+              <a:ext uri="{FF2B5EF4-FFF2-40B4-BE49-F238E27FC236}">
+                <a16:creationId xmlns:a16="http://schemas.microsoft.com/office/drawing/2014/main" id="{3AC27F14-4E8D-1702-4B7F-E3BB973C780D}"/>
+              </a:ext>
+            </a:extLst>
+          </p:cNvPr>
+          <p:cNvSpPr>
+            <a:spLocks noGrp="1"/>
+          </p:cNvSpPr>
+          <p:nvPr>
+            <p:ph idx="1"/>
+          </p:nvPr>
+        </p:nvSpPr>
+        <p:spPr/>
+        <p:txBody>
+          <a:bodyPr/>
+          <a:lstStyle/>
+          <a:p>
+            <a:pPr marL="1163638" indent="-1163638"/>
+            <a:r>
+              <a:rPr lang="en-US" altLang="zh-TW" sz="6600" dirty="0"/>
+              <a:t>20.</a:t>
+            </a:r>
+            <a:r>
+              <a:rPr lang="zh-TW" altLang="zh-TW" dirty="0"/>
+              <a:t>大利拉說：「參孫哪，非利士人拿你來了！」參孫從睡中醒來，心裡說：「我要像前幾次出去活動身體」；他卻不知道耶和華已經離開他了。</a:t>
+            </a:r>
+            <a:endParaRPr lang="zh-TW" altLang="en-US" sz="6600" dirty="0"/>
+          </a:p>
+        </p:txBody>
+      </p:sp>
+    </p:spTree>
+  </p:cSld>
+  <p:clrMapOvr>
+    <a:masterClrMapping/>
+  </p:clrMapOvr>
+</p:sld>
+</file>
+
+<file path=ppt/slides/slide12.xml><?xml version="1.0" encoding="utf-8"?>
+<p:sld xmlns:a="http://schemas.openxmlformats.org/drawingml/2006/main" xmlns:p="http://schemas.openxmlformats.org/presentationml/2006/main" xmlns:r="http://schemas.openxmlformats.org/officeDocument/2006/relationships">
+  <p:cSld>
+    <p:spTree>
+      <p:nvGrpSpPr>
+        <p:cNvPr id="1" name=""/>
+        <p:cNvGrpSpPr/>
+        <p:nvPr/>
+      </p:nvGrpSpPr>
+      <p:grpSpPr/>
+      <p:sp>
+        <p:nvSpPr>
+          <p:cNvPr id="2" name="標題 1">
+            <a:extLst>
+              <a:ext uri="{FF2B5EF4-FFF2-40B4-BE49-F238E27FC236}">
+                <a16:creationId xmlns:a16="http://schemas.microsoft.com/office/drawing/2014/main" id="{30048CD0-F832-6351-1E07-07EC2D13A243}"/>
+              </a:ext>
+            </a:extLst>
+          </p:cNvPr>
+          <p:cNvSpPr>
+            <a:spLocks noGrp="1"/>
+          </p:cNvSpPr>
+          <p:nvPr>
+            <p:ph type="title"/>
+          </p:nvPr>
+        </p:nvSpPr>
+        <p:spPr/>
+        <p:txBody>
+          <a:bodyPr/>
+          <a:lstStyle/>
+          <a:p>
+            <a:r>
+              <a:rPr lang="zh-TW" altLang="zh-TW" dirty="0"/>
+              <a:t>士師記十六章</a:t>
+            </a:r>
+            <a:r>
+              <a:rPr lang="en-US" altLang="zh-TW" dirty="0"/>
+              <a:t/>
+            </a:r>
+            <a:r>
+              <a:rPr lang="zh-TW" altLang="zh-TW" dirty="0"/>
+              <a:t/>
+            </a:r>
+            <a:endParaRPr lang="zh-TW" altLang="en-US" dirty="0"/>
+          </a:p>
+        </p:txBody>
+      </p:sp>
+      <p:sp>
+        <p:nvSpPr>
+          <p:cNvPr id="3" name="內容版面配置區 2">
+            <a:extLst>
+              <a:ext uri="{FF2B5EF4-FFF2-40B4-BE49-F238E27FC236}">
+                <a16:creationId xmlns:a16="http://schemas.microsoft.com/office/drawing/2014/main" id="{3AC27F14-4E8D-1702-4B7F-E3BB973C780D}"/>
+              </a:ext>
+            </a:extLst>
+          </p:cNvPr>
+          <p:cNvSpPr>
+            <a:spLocks noGrp="1"/>
+          </p:cNvSpPr>
+          <p:nvPr>
+            <p:ph idx="1"/>
+          </p:nvPr>
+        </p:nvSpPr>
+        <p:spPr/>
+        <p:txBody>
+          <a:bodyPr/>
+          <a:lstStyle/>
+          <a:p>
+            <a:pPr marL="1163638" indent="-1163638"/>
+            <a:r>
+              <a:rPr lang="en-US" altLang="zh-TW" sz="6600" dirty="0"/>
+              <a:t>27.</a:t>
+            </a:r>
+            <a:r>
+              <a:rPr lang="zh-TW" altLang="zh-TW" dirty="0"/>
+              <a:t>那時房內充滿男女，非利士人的眾首領也都在那裡。房的平頂上約有三千男女觀看參孫戲耍。</a:t>
+            </a:r>
+            <a:endParaRPr lang="zh-TW" altLang="en-US" sz="6600" dirty="0"/>
+          </a:p>
+        </p:txBody>
+      </p:sp>
+    </p:spTree>
+  </p:cSld>
+  <p:clrMapOvr>
+    <a:masterClrMapping/>
+  </p:clrMapOvr>
+</p:sld>
+</file>
+
+<file path=ppt/slides/slide13.xml><?xml version="1.0" encoding="utf-8"?>
+<p:sld xmlns:a="http://schemas.openxmlformats.org/drawingml/2006/main" xmlns:p="http://schemas.openxmlformats.org/presentationml/2006/main" xmlns:r="http://schemas.openxmlformats.org/officeDocument/2006/relationships">
+  <p:cSld>
+    <p:spTree>
+      <p:nvGrpSpPr>
+        <p:cNvPr id="1" name=""/>
+        <p:cNvGrpSpPr/>
+        <p:nvPr/>
+      </p:nvGrpSpPr>
+      <p:grpSpPr/>
+      <p:sp>
+        <p:nvSpPr>
+          <p:cNvPr id="2" name="標題 1">
+            <a:extLst>
+              <a:ext uri="{FF2B5EF4-FFF2-40B4-BE49-F238E27FC236}">
+                <a16:creationId xmlns:a16="http://schemas.microsoft.com/office/drawing/2014/main" id="{30048CD0-F832-6351-1E07-07EC2D13A243}"/>
+              </a:ext>
+            </a:extLst>
+          </p:cNvPr>
+          <p:cNvSpPr>
+            <a:spLocks noGrp="1"/>
+          </p:cNvSpPr>
+          <p:nvPr>
+            <p:ph type="title"/>
+          </p:nvPr>
+        </p:nvSpPr>
+        <p:spPr/>
+        <p:txBody>
+          <a:bodyPr/>
+          <a:lstStyle/>
+          <a:p>
+            <a:r>
+              <a:rPr lang="zh-TW" altLang="zh-TW" dirty="0"/>
+              <a:t>士師記十六章</a:t>
+            </a:r>
+            <a:r>
+              <a:rPr lang="en-US" altLang="zh-TW" dirty="0"/>
+              <a:t/>
+            </a:r>
+            <a:r>
+              <a:rPr lang="zh-TW" altLang="zh-TW" dirty="0"/>
+              <a:t/>
+            </a:r>
+            <a:endParaRPr lang="zh-TW" altLang="en-US" dirty="0"/>
+          </a:p>
+        </p:txBody>
+      </p:sp>
+      <p:sp>
+        <p:nvSpPr>
+          <p:cNvPr id="3" name="內容版面配置區 2">
+            <a:extLst>
+              <a:ext uri="{FF2B5EF4-FFF2-40B4-BE49-F238E27FC236}">
+                <a16:creationId xmlns:a16="http://schemas.microsoft.com/office/drawing/2014/main" id="{3AC27F14-4E8D-1702-4B7F-E3BB973C780D}"/>
+              </a:ext>
+            </a:extLst>
+          </p:cNvPr>
+          <p:cNvSpPr>
+            <a:spLocks noGrp="1"/>
+          </p:cNvSpPr>
+          <p:nvPr>
+            <p:ph idx="1"/>
+          </p:nvPr>
+        </p:nvSpPr>
+        <p:spPr/>
+        <p:txBody>
+          <a:bodyPr/>
+          <a:lstStyle/>
+          <a:p>
+            <a:pPr marL="1163638" indent="-1163638"/>
+            <a:r>
+              <a:rPr lang="en-US" altLang="zh-TW" sz="6600" dirty="0"/>
+              <a:t>28.</a:t>
+            </a:r>
+            <a:r>
+              <a:rPr lang="zh-TW" altLang="zh-TW" dirty="0"/>
+              <a:t>參孫求告耶和華說：「主耶和華啊，求你眷念我。　神啊，求你賜我這一次的力量，使我在非利士人身上報那剜我雙眼的仇。」</a:t>
+            </a:r>
+            <a:endParaRPr lang="zh-TW" altLang="en-US" sz="6600" dirty="0"/>
+          </a:p>
+        </p:txBody>
+      </p:sp>
+    </p:spTree>
+  </p:cSld>
+  <p:clrMapOvr>
+    <a:masterClrMapping/>
+  </p:clrMapOvr>
+</p:sld>
+</file>
+
+<file path=ppt/slides/slide14.xml><?xml version="1.0" encoding="utf-8"?>
+<p:sld xmlns:a="http://schemas.openxmlformats.org/drawingml/2006/main" xmlns:p="http://schemas.openxmlformats.org/presentationml/2006/main" xmlns:r="http://schemas.openxmlformats.org/officeDocument/2006/relationships">
+  <p:cSld>
+    <p:spTree>
+      <p:nvGrpSpPr>
+        <p:cNvPr id="1" name=""/>
+        <p:cNvGrpSpPr/>
+        <p:nvPr/>
+      </p:nvGrpSpPr>
+      <p:grpSpPr/>
+      <p:sp>
+        <p:nvSpPr>
+          <p:cNvPr id="2" name="標題 1">
+            <a:extLst>
+              <a:ext uri="{FF2B5EF4-FFF2-40B4-BE49-F238E27FC236}">
+                <a16:creationId xmlns:a16="http://schemas.microsoft.com/office/drawing/2014/main" id="{30048CD0-F832-6351-1E07-07EC2D13A243}"/>
+              </a:ext>
+            </a:extLst>
+          </p:cNvPr>
+          <p:cNvSpPr>
+            <a:spLocks noGrp="1"/>
+          </p:cNvSpPr>
+          <p:nvPr>
+            <p:ph type="title"/>
+          </p:nvPr>
+        </p:nvSpPr>
+        <p:spPr/>
+        <p:txBody>
+          <a:bodyPr/>
+          <a:lstStyle/>
+          <a:p>
+            <a:r>
+              <a:rPr lang="zh-TW" altLang="zh-TW" dirty="0"/>
+              <a:t>士師記十六章</a:t>
+            </a:r>
+            <a:r>
+              <a:rPr lang="en-US" altLang="zh-TW" dirty="0"/>
+              <a:t/>
+            </a:r>
+            <a:r>
+              <a:rPr lang="zh-TW" altLang="zh-TW" dirty="0"/>
+              <a:t/>
+            </a:r>
+            <a:endParaRPr lang="zh-TW" altLang="en-US" dirty="0"/>
+          </a:p>
+        </p:txBody>
+      </p:sp>
+      <p:sp>
+        <p:nvSpPr>
+          <p:cNvPr id="3" name="內容版面配置區 2">
+            <a:extLst>
+              <a:ext uri="{FF2B5EF4-FFF2-40B4-BE49-F238E27FC236}">
+                <a16:creationId xmlns:a16="http://schemas.microsoft.com/office/drawing/2014/main" id="{3AC27F14-4E8D-1702-4B7F-E3BB973C780D}"/>
+              </a:ext>
+            </a:extLst>
+          </p:cNvPr>
+          <p:cNvSpPr>
+            <a:spLocks noGrp="1"/>
+          </p:cNvSpPr>
+          <p:nvPr>
+            <p:ph idx="1"/>
+          </p:nvPr>
+        </p:nvSpPr>
+        <p:spPr/>
+        <p:txBody>
+          <a:bodyPr/>
+          <a:lstStyle/>
+          <a:p>
+            <a:pPr marL="1163638" indent="-1163638"/>
+            <a:r>
+              <a:rPr lang="en-US" altLang="zh-TW" sz="6600" dirty="0"/>
+              <a:t>29.</a:t>
+            </a:r>
+            <a:r>
+              <a:rPr lang="zh-TW" altLang="zh-TW" dirty="0"/>
+              <a:t>參孫就抱住托房的那兩根柱子：左手抱一根，右手抱一根，</a:t>
+            </a:r>
+            <a:endParaRPr lang="zh-TW" altLang="en-US" sz="6600" dirty="0"/>
+          </a:p>
+        </p:txBody>
+      </p:sp>
+    </p:spTree>
+  </p:cSld>
+  <p:clrMapOvr>
+    <a:masterClrMapping/>
+  </p:clrMapOvr>
+</p:sld>
+</file>
+
+<file path=ppt/slides/slide15.xml><?xml version="1.0" encoding="utf-8"?>
+<p:sld xmlns:a="http://schemas.openxmlformats.org/drawingml/2006/main" xmlns:p="http://schemas.openxmlformats.org/presentationml/2006/main" xmlns:r="http://schemas.openxmlformats.org/officeDocument/2006/relationships">
+  <p:cSld>
+    <p:spTree>
+      <p:nvGrpSpPr>
+        <p:cNvPr id="1" name=""/>
+        <p:cNvGrpSpPr/>
+        <p:nvPr/>
+      </p:nvGrpSpPr>
+      <p:grpSpPr/>
+      <p:sp>
+        <p:nvSpPr>
+          <p:cNvPr id="2" name="標題 1">
+            <a:extLst>
+              <a:ext uri="{FF2B5EF4-FFF2-40B4-BE49-F238E27FC236}">
+                <a16:creationId xmlns:a16="http://schemas.microsoft.com/office/drawing/2014/main" id="{30048CD0-F832-6351-1E07-07EC2D13A243}"/>
+              </a:ext>
+            </a:extLst>
+          </p:cNvPr>
+          <p:cNvSpPr>
+            <a:spLocks noGrp="1"/>
+          </p:cNvSpPr>
+          <p:nvPr>
+            <p:ph type="title"/>
+          </p:nvPr>
+        </p:nvSpPr>
+        <p:spPr/>
+        <p:txBody>
+          <a:bodyPr/>
+          <a:lstStyle/>
+          <a:p>
+            <a:r>
+              <a:rPr lang="zh-TW" altLang="zh-TW" dirty="0"/>
+              <a:t>士師記十六章</a:t>
+            </a:r>
+            <a:r>
+              <a:rPr lang="en-US" altLang="zh-TW" dirty="0"/>
+              <a:t/>
+            </a:r>
+            <a:r>
+              <a:rPr lang="zh-TW" altLang="zh-TW" dirty="0"/>
+              <a:t/>
+            </a:r>
+            <a:endParaRPr lang="zh-TW" altLang="en-US" dirty="0"/>
+          </a:p>
+        </p:txBody>
+      </p:sp>
+      <p:sp>
+        <p:nvSpPr>
+          <p:cNvPr id="3" name="內容版面配置區 2">
+            <a:extLst>
+              <a:ext uri="{FF2B5EF4-FFF2-40B4-BE49-F238E27FC236}">
+                <a16:creationId xmlns:a16="http://schemas.microsoft.com/office/drawing/2014/main" id="{3AC27F14-4E8D-1702-4B7F-E3BB973C780D}"/>
+              </a:ext>
+            </a:extLst>
+          </p:cNvPr>
+          <p:cNvSpPr>
+            <a:spLocks noGrp="1"/>
+          </p:cNvSpPr>
+          <p:nvPr>
+            <p:ph idx="1"/>
+          </p:nvPr>
+        </p:nvSpPr>
+        <p:spPr/>
+        <p:txBody>
+          <a:bodyPr/>
+          <a:lstStyle/>
+          <a:p>
+            <a:pPr marL="1163638" indent="-1163638"/>
+            <a:r>
+              <a:rPr lang="en-US" altLang="zh-TW" sz="6600" dirty="0"/>
+              <a:t>30.</a:t>
+            </a:r>
+            <a:r>
+              <a:rPr lang="zh-TW" altLang="zh-TW" dirty="0"/>
+              <a:t>說：「我情願與非利士人同死！」就盡力屈身，房子倒塌，壓住首領和房內的眾人。這樣，參孫死時所殺的人比活著所殺的還多。</a:t>
+            </a:r>
+            <a:endParaRPr lang="zh-TW" altLang="en-US" sz="6600" dirty="0"/>
+          </a:p>
+        </p:txBody>
+      </p:sp>
+    </p:spTree>
+  </p:cSld>
+  <p:clrMapOvr>
+    <a:masterClrMapping/>
+  </p:clrMapOvr>
+</p:sld>
+</file>
+
+<file path=ppt/slides/slide16.xml><?xml version="1.0" encoding="utf-8"?>
+<p:sld xmlns:a="http://schemas.openxmlformats.org/drawingml/2006/main" xmlns:p="http://schemas.openxmlformats.org/presentationml/2006/main" xmlns:r="http://schemas.openxmlformats.org/officeDocument/2006/relationships">
+  <p:cSld>
+    <p:spTree>
+      <p:nvGrpSpPr>
+        <p:cNvPr id="1" name=""/>
+        <p:cNvGrpSpPr/>
+        <p:nvPr/>
+      </p:nvGrpSpPr>
+      <p:grpSpPr/>
+      <p:sp>
+        <p:nvSpPr>
+          <p:cNvPr id="9" name="Rectangle 4"/>
+          <p:cNvSpPr>
+            <a:spLocks noChangeArrowheads="1"/>
+          </p:cNvSpPr>
+          <p:nvPr/>
+        </p:nvSpPr>
+        <p:spPr bwMode="auto">
+          <a:xfrm>
+            <a:off x="12356" y="5229200"/>
+            <a:ext cx="12192000" cy="1296144"/>
+          </a:xfrm>
+          <a:prstGeom prst="rect">
+            <a:avLst/>
+          </a:prstGeom>
+          <a:noFill/>
+          <a:ln>
+            <a:noFill/>
+          </a:ln>
+          <a:extLst>
+            <a:ext uri="{909E8E84-426E-40DD-AFC4-6F175D3DCCD1}">
+              <a14:hiddenFill xmlns:a14="http://schemas.microsoft.com/office/drawing/2010/main">
+                <a:solidFill>
+                  <a:srgbClr val="FFFFFF"/>
+                </a:solidFill>
+              </a14:hiddenFill>
+            </a:ext>
+            <a:ext uri="{91240B29-F687-4F45-9708-019B960494DF}">
+              <a14:hiddenLine xmlns:a14="http://schemas.microsoft.com/office/drawing/2010/main" w="9525">
+                <a:solidFill>
+                  <a:srgbClr val="000000"/>
+                </a:solidFill>
+                <a:miter lim="800000"/>
+                <a:headEnd/>
+                <a:tailEnd/>
+              </a14:hiddenLine>
+            </a:ext>
+          </a:extLst>
+        </p:spPr>
+        <p:txBody>
+          <a:bodyPr/>
+          <a:lstStyle>
+            <a:lvl1pPr marL="342900" indent="-342900" algn="ctr">
+              <a:spcBef>
+                <a:spcPct val="15000"/>
+              </a:spcBef>
+              <a:defRPr kumimoji="1" sz="6000" b="1">
+                <a:solidFill>
+                  <a:srgbClr val="002060"/>
+                </a:solidFill>
+                <a:latin typeface="微軟正黑體" panose="020B0604030504040204" pitchFamily="34" charset="-120"/>
+                <a:ea typeface="微軟正黑體" panose="020B0604030504040204" pitchFamily="34" charset="-120"/>
+                <a:cs typeface="華康中黑體(P)-UN" pitchFamily="34" charset="-120"/>
+              </a:defRPr>
+            </a:lvl1pPr>
+            <a:lvl2pPr marL="742950" indent="-285750" algn="ctr">
+              <a:spcBef>
+                <a:spcPct val="15000"/>
+              </a:spcBef>
+              <a:buChar char="–"/>
+              <a:defRPr kumimoji="1" sz="6000" b="1">
+                <a:solidFill>
+                  <a:srgbClr val="FFFF00"/>
+                </a:solidFill>
+                <a:latin typeface="Times New Roman" panose="02020603050405020304" pitchFamily="18" charset="0"/>
+                <a:ea typeface="華康中黑體(P)-UN" pitchFamily="34" charset="-120"/>
+                <a:cs typeface="華康中黑體(P)-UN" pitchFamily="34" charset="-120"/>
+              </a:defRPr>
+            </a:lvl2pPr>
+            <a:lvl3pPr marL="1143000" indent="-228600" algn="just">
+              <a:spcBef>
+                <a:spcPct val="20000"/>
+              </a:spcBef>
+              <a:buChar char="•"/>
+              <a:defRPr kumimoji="1" sz="4800" b="1">
+                <a:solidFill>
+                  <a:srgbClr val="FFFF00"/>
+                </a:solidFill>
+                <a:latin typeface="Times New Roman" panose="02020603050405020304" pitchFamily="18" charset="0"/>
+                <a:ea typeface="華康中黑體(P)-UN" pitchFamily="34" charset="-120"/>
+                <a:cs typeface="華康中黑體(P)-UN" pitchFamily="34" charset="-120"/>
+              </a:defRPr>
+            </a:lvl3pPr>
+            <a:lvl4pPr marL="1600200" indent="-228600" algn="just">
+              <a:spcBef>
+                <a:spcPct val="20000"/>
+              </a:spcBef>
+              <a:buChar char="–"/>
+              <a:defRPr kumimoji="1" sz="4800" b="1">
+                <a:solidFill>
+                  <a:srgbClr val="FFFF00"/>
+                </a:solidFill>
+                <a:latin typeface="Times New Roman" panose="02020603050405020304" pitchFamily="18" charset="0"/>
+                <a:ea typeface="華康中黑體(P)-UN" pitchFamily="34" charset="-120"/>
+                <a:cs typeface="華康中黑體(P)-UN" pitchFamily="34" charset="-120"/>
+              </a:defRPr>
+            </a:lvl4pPr>
+            <a:lvl5pPr marL="2057400" indent="-228600" algn="just">
+              <a:spcBef>
+                <a:spcPct val="20000"/>
+              </a:spcBef>
+              <a:buChar char="»"/>
+              <a:defRPr kumimoji="1" sz="4800" b="1">
+                <a:solidFill>
+                  <a:srgbClr val="FFFF00"/>
+                </a:solidFill>
+                <a:latin typeface="Times New Roman" panose="02020603050405020304" pitchFamily="18" charset="0"/>
+                <a:ea typeface="華康中黑體(P)-UN" pitchFamily="34" charset="-120"/>
+                <a:cs typeface="華康中黑體(P)-UN" pitchFamily="34" charset="-120"/>
+              </a:defRPr>
+            </a:lvl5pPr>
+            <a:lvl6pPr marL="2514600" indent="-228600" algn="just" fontAlgn="base">
+              <a:spcBef>
+                <a:spcPct val="20000"/>
+              </a:spcBef>
+              <a:spcAft>
+                <a:spcPct val="0"/>
+              </a:spcAft>
+              <a:buChar char="»"/>
+              <a:defRPr kumimoji="1" sz="4800" b="1">
+                <a:solidFill>
+                  <a:srgbClr val="FFFF00"/>
+                </a:solidFill>
+                <a:latin typeface="Times New Roman" panose="02020603050405020304" pitchFamily="18" charset="0"/>
+                <a:ea typeface="華康中黑體(P)-UN" pitchFamily="34" charset="-120"/>
+                <a:cs typeface="華康中黑體(P)-UN" pitchFamily="34" charset="-120"/>
+              </a:defRPr>
+            </a:lvl6pPr>
+            <a:lvl7pPr marL="2971800" indent="-228600" algn="just" fontAlgn="base">
+              <a:spcBef>
+                <a:spcPct val="20000"/>
+              </a:spcBef>
+              <a:spcAft>
+                <a:spcPct val="0"/>
+              </a:spcAft>
+              <a:buChar char="»"/>
+              <a:defRPr kumimoji="1" sz="4800" b="1">
+                <a:solidFill>
+                  <a:srgbClr val="FFFF00"/>
+                </a:solidFill>
+                <a:latin typeface="Times New Roman" panose="02020603050405020304" pitchFamily="18" charset="0"/>
+                <a:ea typeface="華康中黑體(P)-UN" pitchFamily="34" charset="-120"/>
+                <a:cs typeface="華康中黑體(P)-UN" pitchFamily="34" charset="-120"/>
+              </a:defRPr>
+            </a:lvl7pPr>
+            <a:lvl8pPr marL="3429000" indent="-228600" algn="just" fontAlgn="base">
+              <a:spcBef>
+                <a:spcPct val="20000"/>
+              </a:spcBef>
+              <a:spcAft>
+                <a:spcPct val="0"/>
+              </a:spcAft>
+              <a:buChar char="»"/>
+              <a:defRPr kumimoji="1" sz="4800" b="1">
+                <a:solidFill>
+                  <a:srgbClr val="FFFF00"/>
+                </a:solidFill>
+                <a:latin typeface="Times New Roman" panose="02020603050405020304" pitchFamily="18" charset="0"/>
+                <a:ea typeface="華康中黑體(P)-UN" pitchFamily="34" charset="-120"/>
+                <a:cs typeface="華康中黑體(P)-UN" pitchFamily="34" charset="-120"/>
+              </a:defRPr>
+            </a:lvl8pPr>
+            <a:lvl9pPr marL="3886200" indent="-228600" algn="just" fontAlgn="base">
+              <a:spcBef>
+                <a:spcPct val="20000"/>
+              </a:spcBef>
+              <a:spcAft>
+                <a:spcPct val="0"/>
+              </a:spcAft>
+              <a:buChar char="»"/>
+              <a:defRPr kumimoji="1" sz="4800" b="1">
+                <a:solidFill>
+                  <a:srgbClr val="FFFF00"/>
+                </a:solidFill>
+                <a:latin typeface="Times New Roman" panose="02020603050405020304" pitchFamily="18" charset="0"/>
+                <a:ea typeface="華康中黑體(P)-UN" pitchFamily="34" charset="-120"/>
+                <a:cs typeface="華康中黑體(P)-UN" pitchFamily="34" charset="-120"/>
+              </a:defRPr>
+            </a:lvl9pPr>
+          </a:lstStyle>
+          <a:p>
+            <a:pPr marL="266700" indent="88900" eaLnBrk="1" hangingPunct="1">
+              <a:lnSpc>
+                <a:spcPct val="80000"/>
+              </a:lnSpc>
+              <a:defRPr/>
+            </a:pPr>
+            <a:r>
+              <a:rPr kumimoji="0" lang="zh-TW" altLang="en-US" sz="4500" dirty="0">
+                <a:effectLst>
+                  <a:outerShdw blurRad="50800" dist="38100" dir="2700000" algn="tl" rotWithShape="0">
+                    <a:schemeClr val="bg1"/>
+                  </a:outerShdw>
+                </a:effectLst>
+              </a:rPr>
+              <a:t>哈利路亞：意謂「你們要讚美神」</a:t>
+            </a:r>
+          </a:p>
+          <a:p>
+            <a:pPr marL="266700" indent="88900" eaLnBrk="1" hangingPunct="1">
+              <a:lnSpc>
+                <a:spcPct val="80000"/>
+              </a:lnSpc>
+              <a:defRPr/>
+            </a:pPr>
+            <a:r>
+              <a:rPr kumimoji="0" lang="zh-TW" altLang="en-US" sz="4500" dirty="0">
+                <a:effectLst>
+                  <a:outerShdw blurRad="50800" dist="38100" dir="2700000" algn="tl" rotWithShape="0">
+                    <a:schemeClr val="bg1"/>
+                  </a:outerShdw>
+                </a:effectLst>
+              </a:rPr>
+              <a:t>阿們：意謂「誠心所願」</a:t>
+            </a:r>
+            <a:r>
+              <a:rPr kumimoji="0" lang="en-US" altLang="zh-TW" sz="4500" dirty="0">
+                <a:effectLst>
+                  <a:outerShdw blurRad="50800" dist="38100" dir="2700000" algn="tl" rotWithShape="0">
+                    <a:schemeClr val="bg1"/>
+                  </a:outerShdw>
+                </a:effectLst>
+              </a:rPr>
+              <a:t>(</a:t>
+            </a:r>
+            <a:r>
+              <a:rPr kumimoji="0" lang="zh-TW" altLang="en-US" sz="4500" dirty="0">
+                <a:effectLst>
+                  <a:outerShdw blurRad="50800" dist="38100" dir="2700000" algn="tl" rotWithShape="0">
+                    <a:schemeClr val="bg1"/>
+                  </a:outerShdw>
+                </a:effectLst>
+              </a:rPr>
+              <a:t>表應和）</a:t>
+            </a:r>
+            <a:endParaRPr kumimoji="0" lang="en-US" altLang="zh-TW" sz="4500" dirty="0">
+              <a:effectLst>
+                <a:outerShdw blurRad="50800" dist="38100" dir="2700000" algn="tl" rotWithShape="0">
+                  <a:schemeClr val="bg1"/>
+                </a:outerShdw>
+              </a:effectLst>
+            </a:endParaRPr>
+          </a:p>
+        </p:txBody>
+      </p:sp>
+      <p:sp>
+        <p:nvSpPr>
+          <p:cNvPr id="2" name="文字方塊 1"/>
+          <p:cNvSpPr txBox="1"/>
+          <p:nvPr/>
+        </p:nvSpPr>
+        <p:spPr>
+          <a:xfrm flipH="1">
+            <a:off x="0" y="2276872"/>
+            <a:ext cx="12181963" cy="1446550"/>
+          </a:xfrm>
+          <a:prstGeom prst="rect">
+            <a:avLst/>
+          </a:prstGeom>
+          <a:noFill/>
+        </p:spPr>
+        <p:txBody>
+          <a:bodyPr wrap="square" rtlCol="0">
+            <a:spAutoFit/>
+          </a:bodyPr>
+          <a:lstStyle/>
+          <a:p>
+            <a:pPr algn="ctr"/>
+            <a:r>
+              <a:rPr lang="zh-TW" altLang="zh-TW" sz="8800" dirty="0">
+                <a:solidFill>
+                  <a:srgbClr val="660066"/>
+                </a:solidFill>
+                <a:effectLst>
+                  <a:outerShdw blurRad="50800" dist="38100" dir="2700000" algn="tl" rotWithShape="0">
+                    <a:schemeClr val="bg1"/>
+                  </a:outerShdw>
+                </a:effectLst>
+                <a:latin typeface="華康行楷體 Std W5" panose="03000500000000000000" pitchFamily="66" charset="-120"/>
+                <a:ea typeface="華康行楷體 Std W5" panose="03000500000000000000" pitchFamily="66" charset="-120"/>
+              </a:rPr>
+              <a:t>自以為是，毀你一世</a:t>
+            </a:r>
+            <a:endParaRPr lang="zh-TW" altLang="en-US" sz="8800" dirty="0">
+              <a:solidFill>
+                <a:srgbClr val="660066"/>
+              </a:solidFill>
+              <a:effectLst>
+                <a:outerShdw blurRad="50800" dist="38100" dir="2700000" algn="tl" rotWithShape="0">
+                  <a:schemeClr val="bg1"/>
+                </a:outerShdw>
+              </a:effectLst>
+              <a:latin typeface="華康行楷體 Std W5" panose="03000500000000000000" pitchFamily="66" charset="-120"/>
+              <a:ea typeface="華康行楷體 Std W5" panose="03000500000000000000" pitchFamily="66" charset="-120"/>
+            </a:endParaRPr>
+          </a:p>
+        </p:txBody>
+      </p:sp>
+    </p:spTree>
+  </p:cSld>
+  <p:clrMapOvr>
+    <a:masterClrMapping/>
+  </p:clrMapOvr>
+</p:sld>
+</file>
+
+<file path=ppt/slides/slide17.xml><?xml version="1.0" encoding="utf-8"?>
+<p:sld xmlns:a="http://schemas.openxmlformats.org/drawingml/2006/main" xmlns:p="http://schemas.openxmlformats.org/presentationml/2006/main" xmlns:r="http://schemas.openxmlformats.org/officeDocument/2006/relationships">
+  <p:cSld>
+    <p:spTree>
+      <p:nvGrpSpPr>
+        <p:cNvPr id="1" name=""/>
+        <p:cNvGrpSpPr/>
+        <p:nvPr/>
+      </p:nvGrpSpPr>
+      <p:grpSpPr/>
+      <p:sp>
+        <p:nvSpPr>
+          <p:cNvPr id="5" name="內容版面配置區 4"/>
+          <p:cNvSpPr>
+            <a:spLocks noGrp="1"/>
+          </p:cNvSpPr>
+          <p:nvPr>
+            <p:ph idx="1"/>
+          </p:nvPr>
+        </p:nvSpPr>
+        <p:spPr>
+          <a:xfrm>
+            <a:off x="695400" y="548680"/>
+            <a:ext cx="10801200" cy="5184576"/>
+          </a:xfrm>
+        </p:spPr>
+        <p:txBody>
+          <a:bodyPr/>
+          <a:lstStyle/>
+          <a:p>
+            <a:pPr marL="0" indent="0" eaLnBrk="1" hangingPunct="1">
+              <a:tabLst>
+                <a:tab pos="96838" algn="l"/>
+              </a:tabLst>
+            </a:pPr>
+            <a:r>
+              <a:rPr lang="zh-TW" altLang="zh-TW" sz="6600" dirty="0"/>
+              <a:t>聚會正在進行中</a:t>
+            </a:r>
+            <a:r>
+              <a:rPr lang="zh-TW" altLang="en-US" sz="6600" dirty="0"/>
+              <a:t>，</a:t>
+            </a:r>
+            <a:endParaRPr lang="zh-TW" altLang="zh-TW" sz="6600" dirty="0"/>
+          </a:p>
+          <a:p>
+            <a:pPr marL="0" indent="0" eaLnBrk="1" hangingPunct="1">
+              <a:lnSpc>
+                <a:spcPts val="8500"/>
+              </a:lnSpc>
+              <a:tabLst>
+                <a:tab pos="96838" algn="l"/>
+              </a:tabLst>
+            </a:pPr>
+            <a:r>
+              <a:rPr lang="zh-TW" altLang="zh-TW" sz="6600" dirty="0"/>
+              <a:t>敬請再確認個人的</a:t>
+            </a:r>
+            <a:r>
+              <a:rPr lang="zh-TW" altLang="zh-TW" sz="6600" u="sng" dirty="0">
+                <a:solidFill>
+                  <a:srgbClr val="FF0000"/>
+                </a:solidFill>
+              </a:rPr>
+              <a:t>手機</a:t>
+            </a:r>
+            <a:r>
+              <a:rPr lang="zh-TW" altLang="zh-TW" sz="6600" dirty="0"/>
+              <a:t>是否已轉成</a:t>
+            </a:r>
+            <a:r>
+              <a:rPr lang="zh-TW" altLang="zh-TW" sz="6600" u="sng" dirty="0">
+                <a:solidFill>
+                  <a:srgbClr val="FF0000"/>
+                </a:solidFill>
+              </a:rPr>
+              <a:t>靜音</a:t>
+            </a:r>
+            <a:r>
+              <a:rPr lang="zh-TW" altLang="zh-TW" sz="6600" dirty="0"/>
+              <a:t>或</a:t>
+            </a:r>
+            <a:r>
+              <a:rPr lang="zh-TW" altLang="zh-TW" sz="6600" u="sng" dirty="0">
+                <a:solidFill>
+                  <a:srgbClr val="FF0000"/>
+                </a:solidFill>
+              </a:rPr>
+              <a:t>振動</a:t>
+            </a:r>
+            <a:r>
+              <a:rPr lang="zh-TW" altLang="zh-TW" sz="6600" dirty="0"/>
+              <a:t>或</a:t>
+            </a:r>
+            <a:r>
+              <a:rPr lang="zh-TW" altLang="zh-TW" sz="6600" u="sng" dirty="0">
+                <a:solidFill>
+                  <a:srgbClr val="FF0000"/>
+                </a:solidFill>
+              </a:rPr>
+              <a:t>關機</a:t>
+            </a:r>
+            <a:r>
+              <a:rPr lang="zh-TW" altLang="en-US" sz="6600" dirty="0"/>
+              <a:t>，</a:t>
+            </a:r>
+            <a:r>
+              <a:rPr lang="zh-TW" altLang="zh-TW" sz="6600" dirty="0"/>
+              <a:t>以避免再度干擾聚會過程。謝謝您的合作</a:t>
+            </a:r>
+            <a:r>
+              <a:rPr lang="zh-TW" altLang="en-US" sz="6600" dirty="0"/>
+              <a:t>！</a:t>
+            </a:r>
+            <a:endParaRPr kumimoji="0" lang="zh-TW" altLang="zh-TW" sz="6600" dirty="0"/>
           </a:p>
         </p:txBody>
       </p:sp>
@@ -18698,7 +19593,7 @@
           <a:p>
             <a:r>
               <a:rPr lang="zh-TW" altLang="zh-TW" dirty="0"/>
-              <a:t>以弗所書二章10節</a:t>
+              <a:t>士師記十六章</a:t>
             </a:r>
             <a:r>
               <a:rPr lang="en-US" altLang="zh-TW" dirty="0"/>
@@ -18736,11 +19631,11 @@
             <a:pPr marL="1163638" indent="-1163638"/>
             <a:r>
               <a:rPr lang="en-US" altLang="zh-TW" sz="6600" dirty="0"/>
-              <a:t>10.</a:t>
+              <a:t>15.</a:t>
             </a:r>
             <a:r>
               <a:rPr lang="zh-TW" altLang="zh-TW" dirty="0"/>
-              <a:t>我們原是祂的工作，在基督耶穌裡造成的，為要叫我們行善，就是　神所預備叫我們行的。</a:t>
+              <a:t>大利拉對參孫說：「你既不與我同心，怎麼說你愛我呢？你這三次欺哄我，沒有告訴我，你因何有這麼大的力氣。」</a:t>
             </a:r>
             <a:endParaRPr lang="zh-TW" altLang="en-US" sz="6600" dirty="0"/>
           </a:p>
@@ -18787,7 +19682,7 @@
           <a:p>
             <a:r>
               <a:rPr lang="zh-TW" altLang="zh-TW" dirty="0"/>
-              <a:t>以弗所書一章17-19節</a:t>
+              <a:t>士師記十六章</a:t>
             </a:r>
             <a:r>
               <a:rPr lang="en-US" altLang="zh-TW" dirty="0"/>
@@ -18825,11 +19720,11 @@
             <a:pPr marL="1163638" indent="-1163638"/>
             <a:r>
               <a:rPr lang="en-US" altLang="zh-TW" sz="6600" dirty="0"/>
-              <a:t>17.</a:t>
+              <a:t>16.</a:t>
             </a:r>
             <a:r>
               <a:rPr lang="zh-TW" altLang="zh-TW" dirty="0"/>
-              <a:t>求我們主耶穌基督的　神，榮耀的父，將那賜人智慧和啟示的靈賞給你們，使你們真知道祂，</a:t>
+              <a:t>大利拉天天用話催逼他，甚至他心裡煩悶要死。</a:t>
             </a:r>
             <a:endParaRPr lang="zh-TW" altLang="en-US" sz="6600" dirty="0"/>
           </a:p>
@@ -18876,7 +19771,7 @@
           <a:p>
             <a:r>
               <a:rPr lang="zh-TW" altLang="zh-TW" dirty="0"/>
-              <a:t>以弗所書一章17-19節</a:t>
+              <a:t>士師記十六章</a:t>
             </a:r>
             <a:r>
               <a:rPr lang="en-US" altLang="zh-TW" dirty="0"/>
@@ -18914,11 +19809,11 @@
             <a:pPr marL="1163638" indent="-1163638"/>
             <a:r>
               <a:rPr lang="en-US" altLang="zh-TW" sz="6600" dirty="0"/>
-              <a:t>18.</a:t>
+              <a:t>17.</a:t>
             </a:r>
             <a:r>
               <a:rPr lang="zh-TW" altLang="zh-TW" dirty="0"/>
-              <a:t>並且照明你們心中的眼睛，使你們知道祂的恩召有何等指望，祂在聖徒中得的基業有何等豐盛的榮耀；</a:t>
+              <a:t>參孫就把心中所藏的都告訴了她，對她說：「向來人沒有用剃頭刀剃我的頭，因為我自出母胎就歸　神作拿細耳人；若剃了我的頭髮，我的力氣就離開我，我便軟弱像別人一樣。」</a:t>
             </a:r>
             <a:endParaRPr lang="zh-TW" altLang="en-US" sz="6600" dirty="0"/>
           </a:p>
